--- a/Kiss-Fodor Zsombor/szzíííííí sárp dia.pptx
+++ b/Kiss-Fodor Zsombor/szzíííííí sárp dia.pptx
@@ -121,6 +121,7 @@
   <p1510:revLst>
     <p1510:client id="{1FD67C0B-966A-42BC-AA0A-B3EB92B1B53D}" v="5" dt="2023-10-12T15:32:10.405"/>
     <p1510:client id="{39AFF13B-1F66-D535-3506-96684998D51B}" v="400" dt="2023-11-05T20:05:21.749"/>
+    <p1510:client id="{5FB03649-B5D2-6326-BA4E-3131A2765C85}" v="1" dt="2023-11-10T11:18:10.201"/>
   </p1510:revLst>
 </p1510:revInfo>
 </file>
@@ -5936,7 +5937,7 @@
         <p:spPr>
           <a:xfrm>
             <a:off x="261799" y="420571"/>
-            <a:ext cx="8534400" cy="1507067"/>
+            <a:ext cx="9966677" cy="1507067"/>
           </a:xfrm>
         </p:spPr>
         <p:txBody>
